--- a/fig/iguchi/magnetphoto.pptx
+++ b/fig/iguchi/magnetphoto.pptx
@@ -3385,78 +3385,1100 @@
       </p:grpSpPr>
       <p:grpSp>
         <p:nvGrpSpPr>
-          <p:cNvPr id="4" name="グループ化 3"/>
+          <p:cNvPr id="7" name="グループ化 6"/>
           <p:cNvGrpSpPr/>
           <p:nvPr/>
         </p:nvGrpSpPr>
         <p:grpSpPr>
           <a:xfrm>
-            <a:off x="251519" y="836713"/>
-            <a:ext cx="8604448" cy="5544616"/>
-            <a:chOff x="684805" y="1351985"/>
-            <a:chExt cx="3043767" cy="2103711"/>
+            <a:off x="1" y="980727"/>
+            <a:ext cx="8892480" cy="4960589"/>
+            <a:chOff x="3854220" y="3492361"/>
+            <a:chExt cx="5231827" cy="2378730"/>
           </a:xfrm>
         </p:grpSpPr>
-        <p:pic>
-          <p:nvPicPr>
-            <p:cNvPr id="5" name="コンテンツ プレースホルダー 5"/>
-            <p:cNvPicPr>
-              <a:picLocks noChangeAspect="1"/>
-            </p:cNvPicPr>
-            <p:nvPr/>
-          </p:nvPicPr>
-          <p:blipFill rotWithShape="1">
-            <a:blip r:embed="rId2" cstate="print">
-              <a:extLst>
-                <a:ext uri="{28A0092B-C50C-407E-A947-70E740481C1C}">
-                  <a14:useLocalDpi xmlns:a14="http://schemas.microsoft.com/office/drawing/2010/main" val="0"/>
-                </a:ext>
-              </a:extLst>
-            </a:blip>
-            <a:srcRect l="17793" t="25374" r="19539" b="8345"/>
-            <a:stretch/>
-          </p:blipFill>
-          <p:spPr>
-            <a:xfrm>
-              <a:off x="684805" y="1351985"/>
-              <a:ext cx="3043767" cy="2103711"/>
-            </a:xfrm>
-            <a:prstGeom prst="rect">
-              <a:avLst/>
-            </a:prstGeom>
-          </p:spPr>
-        </p:pic>
         <p:grpSp>
           <p:nvGrpSpPr>
-            <p:cNvPr id="6" name="グループ化 5"/>
+            <p:cNvPr id="8" name="グループ化 7"/>
             <p:cNvGrpSpPr/>
             <p:nvPr/>
           </p:nvGrpSpPr>
           <p:grpSpPr>
             <a:xfrm>
-              <a:off x="1883256" y="1625194"/>
-              <a:ext cx="966700" cy="1272182"/>
-              <a:chOff x="1681526" y="1567601"/>
-              <a:chExt cx="966700" cy="1272182"/>
+              <a:off x="3854220" y="3492361"/>
+              <a:ext cx="5231827" cy="2378730"/>
+              <a:chOff x="3188802" y="4195954"/>
+              <a:chExt cx="5486835" cy="2305330"/>
             </a:xfrm>
           </p:grpSpPr>
+          <p:grpSp>
+            <p:nvGrpSpPr>
+              <p:cNvPr id="12" name="グループ化 11"/>
+              <p:cNvGrpSpPr/>
+              <p:nvPr/>
+            </p:nvGrpSpPr>
+            <p:grpSpPr>
+              <a:xfrm>
+                <a:off x="3188802" y="4195954"/>
+                <a:ext cx="5486835" cy="2305330"/>
+                <a:chOff x="822959" y="1857463"/>
+                <a:chExt cx="7888313" cy="3368315"/>
+              </a:xfrm>
+            </p:grpSpPr>
+            <p:sp>
+              <p:nvSpPr>
+                <p:cNvPr id="14" name="CustomShape 2"/>
+                <p:cNvSpPr/>
+                <p:nvPr/>
+              </p:nvSpPr>
+              <p:spPr>
+                <a:xfrm>
+                  <a:off x="822959" y="2208798"/>
+                  <a:ext cx="7543260" cy="3016980"/>
+                </a:xfrm>
+                <a:prstGeom prst="rect">
+                  <a:avLst/>
+                </a:prstGeom>
+                <a:noFill/>
+                <a:ln>
+                  <a:noFill/>
+                </a:ln>
+              </p:spPr>
+              <p:style>
+                <a:lnRef idx="0">
+                  <a:scrgbClr r="0" g="0" b="0"/>
+                </a:lnRef>
+                <a:fillRef idx="0">
+                  <a:scrgbClr r="0" g="0" b="0"/>
+                </a:fillRef>
+                <a:effectRef idx="0">
+                  <a:scrgbClr r="0" g="0" b="0"/>
+                </a:effectRef>
+                <a:fontRef idx="minor"/>
+              </p:style>
+            </p:sp>
+            <p:grpSp>
+              <p:nvGrpSpPr>
+                <p:cNvPr id="15" name="グループ化 14"/>
+                <p:cNvGrpSpPr/>
+                <p:nvPr/>
+              </p:nvGrpSpPr>
+              <p:grpSpPr>
+                <a:xfrm>
+                  <a:off x="1495980" y="2353057"/>
+                  <a:ext cx="7215292" cy="2559058"/>
+                  <a:chOff x="1475515" y="2477532"/>
+                  <a:chExt cx="3743688" cy="1197199"/>
+                </a:xfrm>
+              </p:grpSpPr>
+              <p:sp>
+                <p:nvSpPr>
+                  <p:cNvPr id="21" name="CustomShape 5"/>
+                  <p:cNvSpPr/>
+                  <p:nvPr/>
+                </p:nvSpPr>
+                <p:spPr>
+                  <a:xfrm>
+                    <a:off x="4320759" y="2482002"/>
+                    <a:ext cx="167867" cy="849626"/>
+                  </a:xfrm>
+                  <a:prstGeom prst="rect">
+                    <a:avLst/>
+                  </a:prstGeom>
+                  <a:solidFill>
+                    <a:schemeClr val="accent4">
+                      <a:lumMod val="50000"/>
+                    </a:schemeClr>
+                  </a:solidFill>
+                  <a:ln>
+                    <a:solidFill>
+                      <a:schemeClr val="accent4">
+                        <a:lumMod val="50000"/>
+                      </a:schemeClr>
+                    </a:solidFill>
+                    <a:round/>
+                  </a:ln>
+                </p:spPr>
+                <p:style>
+                  <a:lnRef idx="2">
+                    <a:schemeClr val="accent1">
+                      <a:shade val="50000"/>
+                    </a:schemeClr>
+                  </a:lnRef>
+                  <a:fillRef idx="1">
+                    <a:schemeClr val="accent1"/>
+                  </a:fillRef>
+                  <a:effectRef idx="0">
+                    <a:schemeClr val="accent1"/>
+                  </a:effectRef>
+                  <a:fontRef idx="minor"/>
+                </p:style>
+              </p:sp>
+              <p:sp>
+                <p:nvSpPr>
+                  <p:cNvPr id="22" name="CustomShape 6"/>
+                  <p:cNvSpPr/>
+                  <p:nvPr/>
+                </p:nvSpPr>
+                <p:spPr>
+                  <a:xfrm>
+                    <a:off x="1475515" y="2540563"/>
+                    <a:ext cx="910355" cy="734399"/>
+                  </a:xfrm>
+                  <a:prstGeom prst="ellipse">
+                    <a:avLst/>
+                  </a:prstGeom>
+                  <a:solidFill>
+                    <a:srgbClr val="0070C0"/>
+                  </a:solidFill>
+                  <a:ln>
+                    <a:solidFill>
+                      <a:srgbClr val="0070C0"/>
+                    </a:solidFill>
+                    <a:round/>
+                  </a:ln>
+                </p:spPr>
+                <p:style>
+                  <a:lnRef idx="2">
+                    <a:schemeClr val="accent1">
+                      <a:shade val="50000"/>
+                    </a:schemeClr>
+                  </a:lnRef>
+                  <a:fillRef idx="1">
+                    <a:schemeClr val="accent1"/>
+                  </a:fillRef>
+                  <a:effectRef idx="0">
+                    <a:schemeClr val="accent1"/>
+                  </a:effectRef>
+                  <a:fontRef idx="minor"/>
+                </p:style>
+                <p:txBody>
+                  <a:bodyPr lIns="67500" tIns="33750" rIns="67500" bIns="33750" anchor="ctr"/>
+                  <a:lstStyle/>
+                  <a:p>
+                    <a:pPr algn="ctr">
+                      <a:lnSpc>
+                        <a:spcPct val="100000"/>
+                      </a:lnSpc>
+                    </a:pPr>
+                    <a:endParaRPr lang="en-US" sz="2400" spc="-1" dirty="0">
+                      <a:solidFill>
+                        <a:srgbClr val="FFFFFF"/>
+                      </a:solidFill>
+                      <a:uFill>
+                        <a:solidFill>
+                          <a:srgbClr val="FFFFFF"/>
+                        </a:solidFill>
+                      </a:uFill>
+                      <a:latin typeface="Calibri"/>
+                      <a:ea typeface="DejaVu Sans"/>
+                    </a:endParaRPr>
+                  </a:p>
+                  <a:p>
+                    <a:pPr algn="ctr">
+                      <a:lnSpc>
+                        <a:spcPct val="100000"/>
+                      </a:lnSpc>
+                    </a:pPr>
+                    <a:r>
+                      <a:rPr lang="en-US" sz="2400" spc="-1" dirty="0" err="1" smtClean="0">
+                        <a:solidFill>
+                          <a:srgbClr val="FFFFFF"/>
+                        </a:solidFill>
+                        <a:uFill>
+                          <a:solidFill>
+                            <a:srgbClr val="FFFFFF"/>
+                          </a:solidFill>
+                        </a:uFill>
+                        <a:latin typeface="Calibri"/>
+                        <a:ea typeface="DejaVu Sans"/>
+                      </a:rPr>
+                      <a:t>電磁石</a:t>
+                    </a:r>
+                    <a:endParaRPr lang="en-US" sz="2400" spc="-1" dirty="0">
+                      <a:solidFill>
+                        <a:srgbClr val="000000"/>
+                      </a:solidFill>
+                      <a:uFill>
+                        <a:solidFill>
+                          <a:srgbClr val="FFFFFF"/>
+                        </a:solidFill>
+                      </a:uFill>
+                      <a:latin typeface="Arial"/>
+                    </a:endParaRPr>
+                  </a:p>
+                  <a:p>
+                    <a:pPr algn="ctr">
+                      <a:lnSpc>
+                        <a:spcPct val="100000"/>
+                      </a:lnSpc>
+                    </a:pPr>
+                    <a:endParaRPr lang="en-US" sz="2400" spc="-1" dirty="0">
+                      <a:solidFill>
+                        <a:srgbClr val="000000"/>
+                      </a:solidFill>
+                      <a:uFill>
+                        <a:solidFill>
+                          <a:srgbClr val="FFFFFF"/>
+                        </a:solidFill>
+                      </a:uFill>
+                      <a:latin typeface="Arial"/>
+                    </a:endParaRPr>
+                  </a:p>
+                  <a:p>
+                    <a:pPr algn="ctr">
+                      <a:lnSpc>
+                        <a:spcPct val="100000"/>
+                      </a:lnSpc>
+                    </a:pPr>
+                    <a:endParaRPr lang="en-US" sz="2400" spc="-1" dirty="0">
+                      <a:solidFill>
+                        <a:srgbClr val="000000"/>
+                      </a:solidFill>
+                      <a:uFill>
+                        <a:solidFill>
+                          <a:srgbClr val="FFFFFF"/>
+                        </a:solidFill>
+                      </a:uFill>
+                      <a:latin typeface="Arial"/>
+                    </a:endParaRPr>
+                  </a:p>
+                </p:txBody>
+              </p:sp>
+              <p:sp>
+                <p:nvSpPr>
+                  <p:cNvPr id="23" name="CustomShape 7"/>
+                  <p:cNvSpPr/>
+                  <p:nvPr/>
+                </p:nvSpPr>
+                <p:spPr>
+                  <a:xfrm>
+                    <a:off x="1930769" y="2920026"/>
+                    <a:ext cx="1531871" cy="103743"/>
+                  </a:xfrm>
+                  <a:prstGeom prst="rect">
+                    <a:avLst/>
+                  </a:prstGeom>
+                  <a:solidFill>
+                    <a:schemeClr val="accent4">
+                      <a:lumMod val="50000"/>
+                    </a:schemeClr>
+                  </a:solidFill>
+                  <a:ln>
+                    <a:solidFill>
+                      <a:schemeClr val="accent4">
+                        <a:lumMod val="50000"/>
+                      </a:schemeClr>
+                    </a:solidFill>
+                    <a:round/>
+                  </a:ln>
+                </p:spPr>
+                <p:style>
+                  <a:lnRef idx="2">
+                    <a:schemeClr val="accent1">
+                      <a:shade val="50000"/>
+                    </a:schemeClr>
+                  </a:lnRef>
+                  <a:fillRef idx="1">
+                    <a:schemeClr val="accent1"/>
+                  </a:fillRef>
+                  <a:effectRef idx="0">
+                    <a:schemeClr val="accent1"/>
+                  </a:effectRef>
+                  <a:fontRef idx="minor"/>
+                </p:style>
+                <p:txBody>
+                  <a:bodyPr lIns="67500" tIns="33750" rIns="67500" bIns="33750" anchor="ctr"/>
+                  <a:lstStyle/>
+                  <a:p>
+                    <a:pPr algn="ctr">
+                      <a:lnSpc>
+                        <a:spcPct val="100000"/>
+                      </a:lnSpc>
+                    </a:pPr>
+                    <a:r>
+                      <a:rPr lang="en-US" sz="2400" spc="-1" dirty="0" err="1">
+                        <a:solidFill>
+                          <a:srgbClr val="FFFFFF"/>
+                        </a:solidFill>
+                        <a:uFill>
+                          <a:solidFill>
+                            <a:srgbClr val="FFFFFF"/>
+                          </a:solidFill>
+                        </a:uFill>
+                        <a:latin typeface="Calibri"/>
+                        <a:ea typeface="DejaVu Sans"/>
+                      </a:rPr>
+                      <a:t>支柱</a:t>
+                    </a:r>
+                    <a:endParaRPr lang="en-US" sz="2400" spc="-1" dirty="0">
+                      <a:solidFill>
+                        <a:srgbClr val="000000"/>
+                      </a:solidFill>
+                      <a:uFill>
+                        <a:solidFill>
+                          <a:srgbClr val="FFFFFF"/>
+                        </a:solidFill>
+                      </a:uFill>
+                      <a:latin typeface="Arial"/>
+                    </a:endParaRPr>
+                  </a:p>
+                </p:txBody>
+              </p:sp>
+              <p:sp>
+                <p:nvSpPr>
+                  <p:cNvPr id="24" name="CustomShape 8"/>
+                  <p:cNvSpPr/>
+                  <p:nvPr/>
+                </p:nvSpPr>
+                <p:spPr>
+                  <a:xfrm>
+                    <a:off x="2907452" y="2641023"/>
+                    <a:ext cx="577046" cy="274050"/>
+                  </a:xfrm>
+                  <a:prstGeom prst="rect">
+                    <a:avLst/>
+                  </a:prstGeom>
+                  <a:solidFill>
+                    <a:schemeClr val="accent1">
+                      <a:lumMod val="75000"/>
+                    </a:schemeClr>
+                  </a:solidFill>
+                  <a:ln>
+                    <a:solidFill>
+                      <a:schemeClr val="accent1">
+                        <a:lumMod val="75000"/>
+                      </a:schemeClr>
+                    </a:solidFill>
+                    <a:round/>
+                  </a:ln>
+                </p:spPr>
+                <p:style>
+                  <a:lnRef idx="2">
+                    <a:schemeClr val="accent1">
+                      <a:shade val="50000"/>
+                    </a:schemeClr>
+                  </a:lnRef>
+                  <a:fillRef idx="1">
+                    <a:schemeClr val="accent1"/>
+                  </a:fillRef>
+                  <a:effectRef idx="0">
+                    <a:schemeClr val="accent1"/>
+                  </a:effectRef>
+                  <a:fontRef idx="minor"/>
+                </p:style>
+                <p:txBody>
+                  <a:bodyPr lIns="67500" tIns="33750" rIns="67500" bIns="33750" anchor="ctr"/>
+                  <a:lstStyle/>
+                  <a:p>
+                    <a:pPr algn="ctr">
+                      <a:lnSpc>
+                        <a:spcPct val="100000"/>
+                      </a:lnSpc>
+                    </a:pPr>
+                    <a:r>
+                      <a:rPr lang="en-US" sz="2400" spc="-1" dirty="0">
+                        <a:solidFill>
+                          <a:srgbClr val="FFFFFF"/>
+                        </a:solidFill>
+                        <a:uFill>
+                          <a:solidFill>
+                            <a:srgbClr val="FFFFFF"/>
+                          </a:solidFill>
+                        </a:uFill>
+                        <a:latin typeface="Calibri"/>
+                        <a:ea typeface="DejaVu Sans"/>
+                      </a:rPr>
+                      <a:t>PMT</a:t>
+                    </a:r>
+                    <a:endParaRPr lang="en-US" sz="2400" spc="-1" dirty="0">
+                      <a:solidFill>
+                        <a:srgbClr val="000000"/>
+                      </a:solidFill>
+                      <a:uFill>
+                        <a:solidFill>
+                          <a:srgbClr val="FFFFFF"/>
+                        </a:solidFill>
+                      </a:uFill>
+                      <a:latin typeface="Arial"/>
+                    </a:endParaRPr>
+                  </a:p>
+                </p:txBody>
+              </p:sp>
+              <p:sp>
+                <p:nvSpPr>
+                  <p:cNvPr id="25" name="CustomShape 9"/>
+                  <p:cNvSpPr/>
+                  <p:nvPr/>
+                </p:nvSpPr>
+                <p:spPr>
+                  <a:xfrm>
+                    <a:off x="3612248" y="2481061"/>
+                    <a:ext cx="496260" cy="822727"/>
+                  </a:xfrm>
+                  <a:prstGeom prst="rect">
+                    <a:avLst/>
+                  </a:prstGeom>
+                  <a:solidFill>
+                    <a:srgbClr val="0070C0"/>
+                  </a:solidFill>
+                  <a:ln>
+                    <a:solidFill>
+                      <a:srgbClr val="0070C0"/>
+                    </a:solidFill>
+                    <a:round/>
+                  </a:ln>
+                </p:spPr>
+                <p:style>
+                  <a:lnRef idx="2">
+                    <a:schemeClr val="accent1">
+                      <a:shade val="50000"/>
+                    </a:schemeClr>
+                  </a:lnRef>
+                  <a:fillRef idx="1">
+                    <a:schemeClr val="accent1"/>
+                  </a:fillRef>
+                  <a:effectRef idx="0">
+                    <a:schemeClr val="accent1"/>
+                  </a:effectRef>
+                  <a:fontRef idx="minor"/>
+                </p:style>
+                <p:txBody>
+                  <a:bodyPr lIns="67500" tIns="33750" rIns="67500" bIns="33750" anchor="ctr"/>
+                  <a:lstStyle/>
+                  <a:p>
+                    <a:pPr algn="ctr">
+                      <a:lnSpc>
+                        <a:spcPct val="100000"/>
+                      </a:lnSpc>
+                    </a:pPr>
+                    <a:r>
+                      <a:rPr lang="en-US" sz="2400" spc="-1" dirty="0" err="1">
+                        <a:solidFill>
+                          <a:srgbClr val="FFFFFF"/>
+                        </a:solidFill>
+                        <a:uFill>
+                          <a:solidFill>
+                            <a:srgbClr val="FFFFFF"/>
+                          </a:solidFill>
+                        </a:uFill>
+                        <a:latin typeface="Calibri"/>
+                        <a:ea typeface="DejaVu Sans"/>
+                      </a:rPr>
+                      <a:t>電磁石</a:t>
+                    </a:r>
+                    <a:endParaRPr lang="en-US" sz="2400" spc="-1" dirty="0">
+                      <a:solidFill>
+                        <a:srgbClr val="000000"/>
+                      </a:solidFill>
+                      <a:uFill>
+                        <a:solidFill>
+                          <a:srgbClr val="FFFFFF"/>
+                        </a:solidFill>
+                      </a:uFill>
+                      <a:latin typeface="Arial"/>
+                    </a:endParaRPr>
+                  </a:p>
+                </p:txBody>
+              </p:sp>
+              <p:sp>
+                <p:nvSpPr>
+                  <p:cNvPr id="26" name="CustomShape 10"/>
+                  <p:cNvSpPr/>
+                  <p:nvPr/>
+                </p:nvSpPr>
+                <p:spPr>
+                  <a:xfrm rot="5400000">
+                    <a:off x="4203927" y="3278178"/>
+                    <a:ext cx="432063" cy="361044"/>
+                  </a:xfrm>
+                  <a:prstGeom prst="rect">
+                    <a:avLst/>
+                  </a:prstGeom>
+                  <a:solidFill>
+                    <a:schemeClr val="accent1">
+                      <a:lumMod val="75000"/>
+                    </a:schemeClr>
+                  </a:solidFill>
+                  <a:ln>
+                    <a:solidFill>
+                      <a:schemeClr val="accent1">
+                        <a:lumMod val="75000"/>
+                      </a:schemeClr>
+                    </a:solidFill>
+                    <a:round/>
+                  </a:ln>
+                </p:spPr>
+                <p:style>
+                  <a:lnRef idx="2">
+                    <a:schemeClr val="accent1">
+                      <a:shade val="50000"/>
+                    </a:schemeClr>
+                  </a:lnRef>
+                  <a:fillRef idx="1">
+                    <a:schemeClr val="accent1"/>
+                  </a:fillRef>
+                  <a:effectRef idx="0">
+                    <a:schemeClr val="accent1"/>
+                  </a:effectRef>
+                  <a:fontRef idx="minor"/>
+                </p:style>
+                <p:txBody>
+                  <a:bodyPr lIns="67500" tIns="33750" rIns="67500" bIns="33750" anchor="ctr"/>
+                  <a:lstStyle/>
+                  <a:p>
+                    <a:pPr algn="ctr">
+                      <a:lnSpc>
+                        <a:spcPct val="100000"/>
+                      </a:lnSpc>
+                    </a:pPr>
+                    <a:r>
+                      <a:rPr lang="en-US" altLang="ja-JP" sz="2400" spc="-1" dirty="0" smtClean="0">
+                        <a:solidFill>
+                          <a:schemeClr val="bg1"/>
+                        </a:solidFill>
+                        <a:uFill>
+                          <a:solidFill>
+                            <a:srgbClr val="FFFFFF"/>
+                          </a:solidFill>
+                        </a:uFill>
+                        <a:latin typeface="Arial"/>
+                      </a:rPr>
+                      <a:t>PMT</a:t>
+                    </a:r>
+                    <a:endParaRPr lang="en-US" sz="2400" spc="-1" dirty="0">
+                      <a:solidFill>
+                        <a:srgbClr val="000000"/>
+                      </a:solidFill>
+                      <a:uFill>
+                        <a:solidFill>
+                          <a:srgbClr val="FFFFFF"/>
+                        </a:solidFill>
+                      </a:uFill>
+                      <a:latin typeface="Arial"/>
+                    </a:endParaRPr>
+                  </a:p>
+                </p:txBody>
+              </p:sp>
+              <p:sp>
+                <p:nvSpPr>
+                  <p:cNvPr id="27" name="CustomShape 11"/>
+                  <p:cNvSpPr/>
+                  <p:nvPr/>
+                </p:nvSpPr>
+                <p:spPr>
+                  <a:xfrm>
+                    <a:off x="4722943" y="2477532"/>
+                    <a:ext cx="496260" cy="832368"/>
+                  </a:xfrm>
+                  <a:prstGeom prst="rect">
+                    <a:avLst/>
+                  </a:prstGeom>
+                  <a:solidFill>
+                    <a:srgbClr val="0070C0"/>
+                  </a:solidFill>
+                  <a:ln>
+                    <a:solidFill>
+                      <a:srgbClr val="0070C0"/>
+                    </a:solidFill>
+                    <a:round/>
+                  </a:ln>
+                </p:spPr>
+                <p:style>
+                  <a:lnRef idx="2">
+                    <a:schemeClr val="accent1">
+                      <a:shade val="50000"/>
+                    </a:schemeClr>
+                  </a:lnRef>
+                  <a:fillRef idx="1">
+                    <a:schemeClr val="accent1"/>
+                  </a:fillRef>
+                  <a:effectRef idx="0">
+                    <a:schemeClr val="accent1"/>
+                  </a:effectRef>
+                  <a:fontRef idx="minor"/>
+                </p:style>
+                <p:txBody>
+                  <a:bodyPr lIns="67500" tIns="33750" rIns="67500" bIns="33750" anchor="ctr"/>
+                  <a:lstStyle/>
+                  <a:p>
+                    <a:pPr algn="ctr">
+                      <a:lnSpc>
+                        <a:spcPct val="100000"/>
+                      </a:lnSpc>
+                    </a:pPr>
+                    <a:r>
+                      <a:rPr lang="en-US" sz="2400" spc="-1" dirty="0" err="1">
+                        <a:solidFill>
+                          <a:srgbClr val="FFFFFF"/>
+                        </a:solidFill>
+                        <a:uFill>
+                          <a:solidFill>
+                            <a:srgbClr val="FFFFFF"/>
+                          </a:solidFill>
+                        </a:uFill>
+                        <a:latin typeface="Calibri"/>
+                        <a:ea typeface="DejaVu Sans"/>
+                      </a:rPr>
+                      <a:t>電磁石</a:t>
+                    </a:r>
+                    <a:endParaRPr lang="en-US" sz="2400" spc="-1" dirty="0">
+                      <a:solidFill>
+                        <a:srgbClr val="000000"/>
+                      </a:solidFill>
+                      <a:uFill>
+                        <a:solidFill>
+                          <a:srgbClr val="FFFFFF"/>
+                        </a:solidFill>
+                      </a:uFill>
+                      <a:latin typeface="Arial"/>
+                    </a:endParaRPr>
+                  </a:p>
+                </p:txBody>
+              </p:sp>
+            </p:grpSp>
+            <p:sp>
+              <p:nvSpPr>
+                <p:cNvPr id="16" name="テキスト ボックス 15"/>
+                <p:cNvSpPr txBox="1"/>
+                <p:nvPr/>
+              </p:nvSpPr>
+              <p:spPr>
+                <a:xfrm>
+                  <a:off x="1495979" y="1886101"/>
+                  <a:ext cx="3522397" cy="438869"/>
+                </a:xfrm>
+                <a:prstGeom prst="rect">
+                  <a:avLst/>
+                </a:prstGeom>
+                <a:noFill/>
+              </p:spPr>
+              <p:txBody>
+                <a:bodyPr wrap="square" rtlCol="0">
+                  <a:spAutoFit/>
+                </a:bodyPr>
+                <a:lstStyle/>
+                <a:p>
+                  <a:r>
+                    <a:rPr kumimoji="1" lang="ja-JP" altLang="en-US" sz="3600" dirty="0" smtClean="0"/>
+                    <a:t>横から見た</a:t>
+                  </a:r>
+                  <a:r>
+                    <a:rPr lang="ja-JP" altLang="en-US" sz="3600" dirty="0" smtClean="0"/>
+                    <a:t>装置</a:t>
+                  </a:r>
+                  <a:r>
+                    <a:rPr lang="ja-JP" altLang="en-US" sz="3600" dirty="0"/>
+                    <a:t>図</a:t>
+                  </a:r>
+                  <a:endParaRPr kumimoji="1" lang="ja-JP" altLang="en-US" sz="3600" dirty="0"/>
+                </a:p>
+              </p:txBody>
+            </p:sp>
+            <p:sp>
+              <p:nvSpPr>
+                <p:cNvPr id="17" name="テキスト ボックス 16"/>
+                <p:cNvSpPr txBox="1"/>
+                <p:nvPr/>
+              </p:nvSpPr>
+              <p:spPr>
+                <a:xfrm>
+                  <a:off x="5157141" y="1857463"/>
+                  <a:ext cx="3554131" cy="438869"/>
+                </a:xfrm>
+                <a:prstGeom prst="rect">
+                  <a:avLst/>
+                </a:prstGeom>
+                <a:noFill/>
+              </p:spPr>
+              <p:txBody>
+                <a:bodyPr wrap="square" rtlCol="0">
+                  <a:spAutoFit/>
+                </a:bodyPr>
+                <a:lstStyle/>
+                <a:p>
+                  <a:r>
+                    <a:rPr kumimoji="1" lang="ja-JP" altLang="en-US" sz="3600" dirty="0" smtClean="0"/>
+                    <a:t>上から見た</a:t>
+                  </a:r>
+                  <a:r>
+                    <a:rPr lang="ja-JP" altLang="en-US" sz="3600" dirty="0" smtClean="0"/>
+                    <a:t>装置</a:t>
+                  </a:r>
+                  <a:r>
+                    <a:rPr lang="ja-JP" altLang="en-US" sz="3600" dirty="0"/>
+                    <a:t>図</a:t>
+                  </a:r>
+                  <a:endParaRPr kumimoji="1" lang="ja-JP" altLang="en-US" sz="3600" dirty="0"/>
+                </a:p>
+              </p:txBody>
+            </p:sp>
+            <p:sp>
+              <p:nvSpPr>
+                <p:cNvPr id="18" name="CustomShape 7"/>
+                <p:cNvSpPr/>
+                <p:nvPr/>
+              </p:nvSpPr>
+              <p:spPr>
+                <a:xfrm>
+                  <a:off x="3536512" y="2694619"/>
+                  <a:ext cx="704741" cy="585794"/>
+                </a:xfrm>
+                <a:prstGeom prst="rect">
+                  <a:avLst/>
+                </a:prstGeom>
+                <a:solidFill>
+                  <a:schemeClr val="tx2">
+                    <a:lumMod val="20000"/>
+                    <a:lumOff val="80000"/>
+                  </a:schemeClr>
+                </a:solidFill>
+                <a:ln>
+                  <a:solidFill>
+                    <a:schemeClr val="tx2">
+                      <a:lumMod val="20000"/>
+                      <a:lumOff val="80000"/>
+                    </a:schemeClr>
+                  </a:solidFill>
+                  <a:round/>
+                </a:ln>
+              </p:spPr>
+              <p:style>
+                <a:lnRef idx="2">
+                  <a:schemeClr val="accent1">
+                    <a:shade val="50000"/>
+                  </a:schemeClr>
+                </a:lnRef>
+                <a:fillRef idx="1">
+                  <a:schemeClr val="accent1"/>
+                </a:fillRef>
+                <a:effectRef idx="0">
+                  <a:schemeClr val="accent1"/>
+                </a:effectRef>
+                <a:fontRef idx="minor"/>
+              </p:style>
+              <p:txBody>
+                <a:bodyPr lIns="67500" tIns="33750" rIns="67500" bIns="33750" anchor="ctr"/>
+                <a:lstStyle/>
+                <a:p>
+                  <a:pPr algn="ctr">
+                    <a:lnSpc>
+                      <a:spcPct val="100000"/>
+                    </a:lnSpc>
+                  </a:pPr>
+                  <a:r>
+                    <a:rPr lang="en-US" sz="1200" spc="-1" dirty="0" err="1">
+                      <a:solidFill>
+                        <a:schemeClr val="tx1">
+                          <a:lumMod val="95000"/>
+                          <a:lumOff val="5000"/>
+                        </a:schemeClr>
+                      </a:solidFill>
+                      <a:uFill>
+                        <a:solidFill>
+                          <a:srgbClr val="FFFFFF"/>
+                        </a:solidFill>
+                      </a:uFill>
+                      <a:latin typeface="Calibri"/>
+                      <a:ea typeface="DejaVu Sans"/>
+                    </a:rPr>
+                    <a:t>NaI</a:t>
+                  </a:r>
+                  <a:endParaRPr lang="en-US" sz="1200" spc="-1" dirty="0">
+                    <a:solidFill>
+                      <a:schemeClr val="tx1">
+                        <a:lumMod val="95000"/>
+                        <a:lumOff val="5000"/>
+                      </a:schemeClr>
+                    </a:solidFill>
+                    <a:uFill>
+                      <a:solidFill>
+                        <a:srgbClr val="FFFFFF"/>
+                      </a:solidFill>
+                    </a:uFill>
+                    <a:latin typeface="Arial"/>
+                  </a:endParaRPr>
+                </a:p>
+                <a:p>
+                  <a:pPr algn="ctr">
+                    <a:lnSpc>
+                      <a:spcPct val="100000"/>
+                    </a:lnSpc>
+                  </a:pPr>
+                  <a:r>
+                    <a:rPr lang="en-US" sz="1200" spc="-1" dirty="0" err="1" smtClean="0">
+                      <a:solidFill>
+                        <a:schemeClr val="tx1">
+                          <a:lumMod val="95000"/>
+                          <a:lumOff val="5000"/>
+                        </a:schemeClr>
+                      </a:solidFill>
+                      <a:uFill>
+                        <a:solidFill>
+                          <a:srgbClr val="FFFFFF"/>
+                        </a:solidFill>
+                      </a:uFill>
+                      <a:latin typeface="Calibri"/>
+                      <a:ea typeface="DejaVu Sans"/>
+                    </a:rPr>
+                    <a:t>シンチ</a:t>
+                  </a:r>
+                  <a:endParaRPr lang="en-US" sz="1200" spc="-1" dirty="0">
+                    <a:solidFill>
+                      <a:schemeClr val="tx1">
+                        <a:lumMod val="95000"/>
+                        <a:lumOff val="5000"/>
+                      </a:schemeClr>
+                    </a:solidFill>
+                    <a:uFill>
+                      <a:solidFill>
+                        <a:srgbClr val="FFFFFF"/>
+                      </a:solidFill>
+                    </a:uFill>
+                    <a:latin typeface="Arial"/>
+                  </a:endParaRPr>
+                </a:p>
+              </p:txBody>
+            </p:sp>
+            <p:sp>
+              <p:nvSpPr>
+                <p:cNvPr id="19" name="CustomShape 13"/>
+                <p:cNvSpPr/>
+                <p:nvPr/>
+              </p:nvSpPr>
+              <p:spPr>
+                <a:xfrm>
+                  <a:off x="2768913" y="2852034"/>
+                  <a:ext cx="672546" cy="430261"/>
+                </a:xfrm>
+                <a:prstGeom prst="rect">
+                  <a:avLst/>
+                </a:prstGeom>
+                <a:solidFill>
+                  <a:schemeClr val="bg1">
+                    <a:lumMod val="75000"/>
+                  </a:schemeClr>
+                </a:solidFill>
+                <a:ln>
+                  <a:solidFill>
+                    <a:schemeClr val="bg1">
+                      <a:lumMod val="75000"/>
+                    </a:schemeClr>
+                  </a:solidFill>
+                  <a:round/>
+                </a:ln>
+              </p:spPr>
+              <p:style>
+                <a:lnRef idx="2">
+                  <a:schemeClr val="accent1">
+                    <a:shade val="50000"/>
+                  </a:schemeClr>
+                </a:lnRef>
+                <a:fillRef idx="1">
+                  <a:schemeClr val="accent1"/>
+                </a:fillRef>
+                <a:effectRef idx="0">
+                  <a:schemeClr val="accent1"/>
+                </a:effectRef>
+                <a:fontRef idx="minor"/>
+              </p:style>
+              <p:txBody>
+                <a:bodyPr lIns="67500" tIns="33750" rIns="67500" bIns="33750" anchor="ctr"/>
+                <a:lstStyle/>
+                <a:p>
+                  <a:pPr algn="ctr">
+                    <a:lnSpc>
+                      <a:spcPct val="100000"/>
+                    </a:lnSpc>
+                  </a:pPr>
+                  <a:r>
+                    <a:rPr lang="en-US" sz="2400" spc="-1" baseline="30000" dirty="0" smtClean="0">
+                      <a:uFill>
+                        <a:solidFill>
+                          <a:srgbClr val="FFFFFF"/>
+                        </a:solidFill>
+                      </a:uFill>
+                      <a:latin typeface="Arial"/>
+                    </a:rPr>
+                    <a:t>60</a:t>
+                  </a:r>
+                  <a:r>
+                    <a:rPr lang="en-US" altLang="ja-JP" sz="2400" spc="-1" baseline="-25000" dirty="0" smtClean="0">
+                      <a:uFill>
+                        <a:solidFill>
+                          <a:srgbClr val="FFFFFF"/>
+                        </a:solidFill>
+                      </a:uFill>
+                      <a:latin typeface="Arial"/>
+                    </a:rPr>
+                    <a:t>Co</a:t>
+                  </a:r>
+                  <a:endParaRPr lang="en-US" sz="2400" spc="-1" baseline="30000" dirty="0">
+                    <a:uFill>
+                      <a:solidFill>
+                        <a:srgbClr val="FFFFFF"/>
+                      </a:solidFill>
+                    </a:uFill>
+                    <a:latin typeface="Arial"/>
+                  </a:endParaRPr>
+                </a:p>
+              </p:txBody>
+            </p:sp>
+            <p:sp>
+              <p:nvSpPr>
+                <p:cNvPr id="20" name="CustomShape 7"/>
+                <p:cNvSpPr/>
+                <p:nvPr/>
+              </p:nvSpPr>
+              <p:spPr>
+                <a:xfrm>
+                  <a:off x="6834196" y="3565997"/>
+                  <a:ext cx="667878" cy="442825"/>
+                </a:xfrm>
+                <a:prstGeom prst="rect">
+                  <a:avLst/>
+                </a:prstGeom>
+                <a:solidFill>
+                  <a:schemeClr val="tx2">
+                    <a:lumMod val="20000"/>
+                    <a:lumOff val="80000"/>
+                  </a:schemeClr>
+                </a:solidFill>
+                <a:ln>
+                  <a:solidFill>
+                    <a:schemeClr val="tx2">
+                      <a:lumMod val="20000"/>
+                      <a:lumOff val="80000"/>
+                    </a:schemeClr>
+                  </a:solidFill>
+                  <a:round/>
+                </a:ln>
+              </p:spPr>
+              <p:style>
+                <a:lnRef idx="2">
+                  <a:schemeClr val="accent1">
+                    <a:shade val="50000"/>
+                  </a:schemeClr>
+                </a:lnRef>
+                <a:fillRef idx="1">
+                  <a:schemeClr val="accent1"/>
+                </a:fillRef>
+                <a:effectRef idx="0">
+                  <a:schemeClr val="accent1"/>
+                </a:effectRef>
+                <a:fontRef idx="minor"/>
+              </p:style>
+              <p:txBody>
+                <a:bodyPr lIns="67500" tIns="33750" rIns="67500" bIns="33750" anchor="ctr"/>
+                <a:lstStyle/>
+                <a:p>
+                  <a:pPr algn="ctr">
+                    <a:lnSpc>
+                      <a:spcPct val="100000"/>
+                    </a:lnSpc>
+                  </a:pPr>
+                  <a:r>
+                    <a:rPr lang="en-US" sz="1200" spc="-1" dirty="0" err="1">
+                      <a:solidFill>
+                        <a:schemeClr val="tx1">
+                          <a:lumMod val="95000"/>
+                          <a:lumOff val="5000"/>
+                        </a:schemeClr>
+                      </a:solidFill>
+                      <a:uFill>
+                        <a:solidFill>
+                          <a:srgbClr val="FFFFFF"/>
+                        </a:solidFill>
+                      </a:uFill>
+                      <a:latin typeface="Calibri"/>
+                      <a:ea typeface="DejaVu Sans"/>
+                    </a:rPr>
+                    <a:t>NaI</a:t>
+                  </a:r>
+                  <a:endParaRPr lang="en-US" sz="1200" spc="-1" dirty="0">
+                    <a:solidFill>
+                      <a:schemeClr val="tx1">
+                        <a:lumMod val="95000"/>
+                        <a:lumOff val="5000"/>
+                      </a:schemeClr>
+                    </a:solidFill>
+                    <a:uFill>
+                      <a:solidFill>
+                        <a:srgbClr val="FFFFFF"/>
+                      </a:solidFill>
+                    </a:uFill>
+                    <a:latin typeface="Arial"/>
+                  </a:endParaRPr>
+                </a:p>
+                <a:p>
+                  <a:pPr algn="ctr">
+                    <a:lnSpc>
+                      <a:spcPct val="100000"/>
+                    </a:lnSpc>
+                  </a:pPr>
+                  <a:r>
+                    <a:rPr lang="en-US" sz="1200" spc="-1" dirty="0" err="1" smtClean="0">
+                      <a:solidFill>
+                        <a:schemeClr val="tx1">
+                          <a:lumMod val="95000"/>
+                          <a:lumOff val="5000"/>
+                        </a:schemeClr>
+                      </a:solidFill>
+                      <a:uFill>
+                        <a:solidFill>
+                          <a:srgbClr val="FFFFFF"/>
+                        </a:solidFill>
+                      </a:uFill>
+                      <a:latin typeface="Calibri"/>
+                      <a:ea typeface="DejaVu Sans"/>
+                    </a:rPr>
+                    <a:t>シンチ</a:t>
+                  </a:r>
+                  <a:endParaRPr lang="en-US" sz="1200" spc="-1" dirty="0">
+                    <a:solidFill>
+                      <a:schemeClr val="tx1">
+                        <a:lumMod val="95000"/>
+                        <a:lumOff val="5000"/>
+                      </a:schemeClr>
+                    </a:solidFill>
+                    <a:uFill>
+                      <a:solidFill>
+                        <a:srgbClr val="FFFFFF"/>
+                      </a:solidFill>
+                    </a:uFill>
+                    <a:latin typeface="Arial"/>
+                  </a:endParaRPr>
+                </a:p>
+              </p:txBody>
+            </p:sp>
+          </p:grpSp>
           <p:sp>
             <p:nvSpPr>
-              <p:cNvPr id="7" name="右矢印 6"/>
+              <p:cNvPr id="13" name="CustomShape 13"/>
               <p:cNvSpPr/>
               <p:nvPr/>
             </p:nvSpPr>
             <p:spPr>
-              <a:xfrm rot="5706459">
-                <a:off x="1480044" y="2169381"/>
-                <a:ext cx="871884" cy="468919"/>
+              <a:xfrm>
+                <a:off x="7375498" y="4902274"/>
+                <a:ext cx="446605" cy="333384"/>
               </a:xfrm>
-              <a:prstGeom prst="rightArrow">
+              <a:prstGeom prst="rect">
                 <a:avLst/>
               </a:prstGeom>
               <a:solidFill>
-                <a:schemeClr val="bg1"/>
+                <a:schemeClr val="bg1">
+                  <a:lumMod val="75000"/>
+                </a:schemeClr>
               </a:solidFill>
+              <a:ln>
+                <a:solidFill>
+                  <a:schemeClr val="bg1">
+                    <a:lumMod val="75000"/>
+                  </a:schemeClr>
+                </a:solidFill>
+                <a:round/>
+              </a:ln>
             </p:spPr>
             <p:style>
               <a:lnRef idx="2">
@@ -3470,127 +4492,203 @@
               <a:effectRef idx="0">
                 <a:schemeClr val="accent1"/>
               </a:effectRef>
-              <a:fontRef idx="minor">
-                <a:schemeClr val="lt1"/>
-              </a:fontRef>
+              <a:fontRef idx="minor"/>
             </p:style>
             <p:txBody>
-              <a:bodyPr rtlCol="0" anchor="ctr"/>
+              <a:bodyPr lIns="67500" tIns="33750" rIns="67500" bIns="33750" anchor="ctr"/>
               <a:lstStyle/>
               <a:p>
-                <a:pPr algn="ctr"/>
+                <a:pPr algn="ctr">
+                  <a:lnSpc>
+                    <a:spcPct val="100000"/>
+                  </a:lnSpc>
+                </a:pPr>
                 <a:r>
-                  <a:rPr lang="ja-JP" altLang="en-US" sz="3600" dirty="0" err="1">
+                  <a:rPr lang="en-US" sz="2400" spc="-1" baseline="30000" dirty="0" smtClean="0">
                     <a:solidFill>
-                      <a:schemeClr val="tx1">
-                        <a:lumMod val="95000"/>
-                        <a:lumOff val="5000"/>
-                      </a:schemeClr>
+                      <a:srgbClr val="000000"/>
                     </a:solidFill>
+                    <a:uFill>
+                      <a:solidFill>
+                        <a:srgbClr val="FFFFFF"/>
+                      </a:solidFill>
+                    </a:uFill>
+                    <a:latin typeface="Arial"/>
                   </a:rPr>
-                  <a:t>ｒ</a:t>
+                  <a:t>60</a:t>
                 </a:r>
                 <a:r>
-                  <a:rPr kumimoji="1" lang="ja-JP" altLang="en-US" sz="3200" dirty="0" smtClean="0">
+                  <a:rPr lang="en-US" altLang="ja-JP" sz="2400" spc="-1" baseline="-25000" dirty="0" smtClean="0">
                     <a:solidFill>
-                      <a:schemeClr val="tx1">
-                        <a:lumMod val="95000"/>
-                        <a:lumOff val="5000"/>
-                      </a:schemeClr>
+                      <a:srgbClr val="000000"/>
                     </a:solidFill>
+                    <a:uFill>
+                      <a:solidFill>
+                        <a:srgbClr val="FFFFFF"/>
+                      </a:solidFill>
+                    </a:uFill>
+                    <a:latin typeface="Arial"/>
                   </a:rPr>
-                  <a:t>方向</a:t>
+                  <a:t>Co</a:t>
                 </a:r>
-                <a:r>
-                  <a:rPr kumimoji="1" lang="en-US" altLang="ja-JP" sz="3600" dirty="0" smtClean="0">
+                <a:endParaRPr lang="en-US" sz="2400" spc="-1" baseline="30000" dirty="0">
+                  <a:solidFill>
+                    <a:srgbClr val="000000"/>
+                  </a:solidFill>
+                  <a:uFill>
                     <a:solidFill>
-                      <a:schemeClr val="tx1">
-                        <a:lumMod val="95000"/>
-                        <a:lumOff val="5000"/>
-                      </a:schemeClr>
+                      <a:srgbClr val="FFFFFF"/>
                     </a:solidFill>
-                  </a:rPr>
-                  <a:t> </a:t>
-                </a:r>
-              </a:p>
-            </p:txBody>
-          </p:sp>
-          <p:sp>
-            <p:nvSpPr>
-              <p:cNvPr id="8" name="右矢印 7"/>
-              <p:cNvSpPr/>
-              <p:nvPr/>
-            </p:nvSpPr>
-            <p:spPr>
-              <a:xfrm>
-                <a:off x="1837443" y="1567601"/>
-                <a:ext cx="810783" cy="426942"/>
-              </a:xfrm>
-              <a:prstGeom prst="rightArrow">
-                <a:avLst/>
-              </a:prstGeom>
-              <a:solidFill>
-                <a:schemeClr val="bg1"/>
-              </a:solidFill>
-            </p:spPr>
-            <p:style>
-              <a:lnRef idx="2">
-                <a:schemeClr val="accent1">
-                  <a:shade val="50000"/>
-                </a:schemeClr>
-              </a:lnRef>
-              <a:fillRef idx="1">
-                <a:schemeClr val="accent1"/>
-              </a:fillRef>
-              <a:effectRef idx="0">
-                <a:schemeClr val="accent1"/>
-              </a:effectRef>
-              <a:fontRef idx="minor">
-                <a:schemeClr val="lt1"/>
-              </a:fontRef>
-            </p:style>
-            <p:txBody>
-              <a:bodyPr rtlCol="0" anchor="ctr"/>
-              <a:lstStyle/>
-              <a:p>
-                <a:pPr algn="ctr"/>
-                <a:r>
-                  <a:rPr lang="ja-JP" altLang="en-US" sz="3200" dirty="0" smtClean="0">
-                    <a:solidFill>
-                      <a:schemeClr val="tx1">
-                        <a:lumMod val="95000"/>
-                        <a:lumOff val="5000"/>
-                      </a:schemeClr>
-                    </a:solidFill>
-                  </a:rPr>
-                  <a:t>Ｚ</a:t>
-                </a:r>
-                <a:r>
-                  <a:rPr kumimoji="1" lang="ja-JP" altLang="en-US" sz="3200" dirty="0" smtClean="0">
-                    <a:solidFill>
-                      <a:schemeClr val="tx1">
-                        <a:lumMod val="95000"/>
-                        <a:lumOff val="5000"/>
-                      </a:schemeClr>
-                    </a:solidFill>
-                  </a:rPr>
-                  <a:t>方向</a:t>
-                </a:r>
-                <a:r>
-                  <a:rPr kumimoji="1" lang="en-US" altLang="ja-JP" sz="3200" dirty="0" smtClean="0">
-                    <a:solidFill>
-                      <a:schemeClr val="tx1">
-                        <a:lumMod val="95000"/>
-                        <a:lumOff val="5000"/>
-                      </a:schemeClr>
-                    </a:solidFill>
-                  </a:rPr>
-                  <a:t> </a:t>
-                </a:r>
+                  </a:uFill>
+                  <a:latin typeface="Arial"/>
+                </a:endParaRPr>
               </a:p>
             </p:txBody>
           </p:sp>
         </p:grpSp>
+        <p:cxnSp>
+          <p:nvCxnSpPr>
+            <p:cNvPr id="9" name="直線コネクタ 8"/>
+            <p:cNvCxnSpPr/>
+            <p:nvPr/>
+          </p:nvCxnSpPr>
+          <p:spPr>
+            <a:xfrm>
+              <a:off x="4882434" y="4470601"/>
+              <a:ext cx="0" cy="854231"/>
+            </a:xfrm>
+            <a:prstGeom prst="line">
+              <a:avLst/>
+            </a:prstGeom>
+          </p:spPr>
+          <p:style>
+            <a:lnRef idx="1">
+              <a:schemeClr val="dk1"/>
+            </a:lnRef>
+            <a:fillRef idx="0">
+              <a:schemeClr val="dk1"/>
+            </a:fillRef>
+            <a:effectRef idx="0">
+              <a:schemeClr val="dk1"/>
+            </a:effectRef>
+            <a:fontRef idx="minor">
+              <a:schemeClr val="tx1"/>
+            </a:fontRef>
+          </p:style>
+        </p:cxnSp>
+        <p:cxnSp>
+          <p:nvCxnSpPr>
+            <p:cNvPr id="10" name="直線コネクタ 9"/>
+            <p:cNvCxnSpPr>
+              <a:stCxn id="24" idx="1"/>
+              <a:endCxn id="11" idx="3"/>
+            </p:cNvCxnSpPr>
+            <p:nvPr/>
+          </p:nvCxnSpPr>
+          <p:spPr>
+            <a:xfrm>
+              <a:off x="6131000" y="4295996"/>
+              <a:ext cx="10984" cy="1001140"/>
+            </a:xfrm>
+            <a:prstGeom prst="line">
+              <a:avLst/>
+            </a:prstGeom>
+            <a:ln>
+              <a:solidFill>
+                <a:schemeClr val="tx1"/>
+              </a:solidFill>
+            </a:ln>
+          </p:spPr>
+          <p:style>
+            <a:lnRef idx="1">
+              <a:schemeClr val="accent1"/>
+            </a:lnRef>
+            <a:fillRef idx="0">
+              <a:schemeClr val="accent1"/>
+            </a:fillRef>
+            <a:effectRef idx="0">
+              <a:schemeClr val="accent1"/>
+            </a:effectRef>
+            <a:fontRef idx="minor">
+              <a:schemeClr val="tx1"/>
+            </a:fontRef>
+          </p:style>
+        </p:cxnSp>
+        <p:sp>
+          <p:nvSpPr>
+            <p:cNvPr id="11" name="右矢印 10"/>
+            <p:cNvSpPr/>
+            <p:nvPr/>
+          </p:nvSpPr>
+          <p:spPr>
+            <a:xfrm>
+              <a:off x="4882434" y="5092972"/>
+              <a:ext cx="1259550" cy="408328"/>
+            </a:xfrm>
+            <a:prstGeom prst="rightArrow">
+              <a:avLst/>
+            </a:prstGeom>
+            <a:solidFill>
+              <a:schemeClr val="bg1"/>
+            </a:solidFill>
+          </p:spPr>
+          <p:style>
+            <a:lnRef idx="2">
+              <a:schemeClr val="accent1">
+                <a:shade val="50000"/>
+              </a:schemeClr>
+            </a:lnRef>
+            <a:fillRef idx="1">
+              <a:schemeClr val="accent1"/>
+            </a:fillRef>
+            <a:effectRef idx="0">
+              <a:schemeClr val="accent1"/>
+            </a:effectRef>
+            <a:fontRef idx="minor">
+              <a:schemeClr val="lt1"/>
+            </a:fontRef>
+          </p:style>
+          <p:txBody>
+            <a:bodyPr rtlCol="0" anchor="ctr"/>
+            <a:lstStyle/>
+            <a:p>
+              <a:pPr algn="ctr"/>
+              <a:r>
+                <a:rPr lang="ja-JP" altLang="en-US" sz="3600" dirty="0" smtClean="0">
+                  <a:solidFill>
+                    <a:schemeClr val="tx1">
+                      <a:lumMod val="95000"/>
+                      <a:lumOff val="5000"/>
+                    </a:schemeClr>
+                  </a:solidFill>
+                </a:rPr>
+                <a:t>距離　</a:t>
+              </a:r>
+              <a:r>
+                <a:rPr lang="en-US" altLang="ja-JP" sz="3600" dirty="0" smtClean="0">
+                  <a:solidFill>
+                    <a:schemeClr val="tx1">
+                      <a:lumMod val="95000"/>
+                      <a:lumOff val="5000"/>
+                    </a:schemeClr>
+                  </a:solidFill>
+                </a:rPr>
+                <a:t>r</a:t>
+              </a:r>
+              <a:r>
+                <a:rPr kumimoji="1" lang="en-US" altLang="ja-JP" sz="3600" dirty="0" smtClean="0">
+                  <a:solidFill>
+                    <a:schemeClr val="tx1">
+                      <a:lumMod val="95000"/>
+                      <a:lumOff val="5000"/>
+                    </a:schemeClr>
+                  </a:solidFill>
+                </a:rPr>
+                <a:t> </a:t>
+              </a:r>
+            </a:p>
+          </p:txBody>
+        </p:sp>
       </p:grpSp>
     </p:spTree>
     <p:extLst>
